--- a/PITCH.pptx
+++ b/PITCH.pptx
@@ -128,6 +128,9 @@
           </p15:clr>
         </p15:guide>
       </p15:sldGuideLst>
+    </p:ext>
+    <p:ext uri="{2D200454-40CA-4A62-9FC3-DE9A4176ACB9}">
+      <p15:notesGuideLst xmlns:p15="http://schemas.microsoft.com/office/powerpoint/2012/main"/>
     </p:ext>
   </p:extLst>
 </p:presentation>
@@ -981,7 +984,7 @@
           <a:noFill/>
           <a:extLst>
             <a:ext uri="{909E8E84-426E-40dd-AFC4-6F175D3DCCD1}">
-              <a14:hiddenFill xmlns:a14="http://schemas.microsoft.com/office/drawing/2010/main" xmlns="">
+              <a14:hiddenFill xmlns="" xmlns:a14="http://schemas.microsoft.com/office/drawing/2010/main">
                 <a:solidFill>
                   <a:srgbClr val="FFFFFF"/>
                 </a:solidFill>
@@ -1041,7 +1044,7 @@
             </a:ln>
             <a:extLst>
               <a:ext uri="{91240B29-F687-4f45-9708-019B960494DF}">
-                <a14:hiddenLine xmlns:a14="http://schemas.microsoft.com/office/drawing/2010/main" xmlns="" w="9525">
+                <a14:hiddenLine xmlns="" xmlns:a14="http://schemas.microsoft.com/office/drawing/2010/main" w="9525">
                   <a:solidFill>
                     <a:srgbClr val="000000"/>
                   </a:solidFill>
@@ -1131,7 +1134,7 @@
             </a:ln>
             <a:extLst>
               <a:ext uri="{91240B29-F687-4f45-9708-019B960494DF}">
-                <a14:hiddenLine xmlns:a14="http://schemas.microsoft.com/office/drawing/2010/main" xmlns="" w="9525">
+                <a14:hiddenLine xmlns="" xmlns:a14="http://schemas.microsoft.com/office/drawing/2010/main" w="9525">
                   <a:solidFill>
                     <a:srgbClr val="000000"/>
                   </a:solidFill>
@@ -1221,7 +1224,7 @@
             </a:ln>
             <a:extLst>
               <a:ext uri="{91240B29-F687-4f45-9708-019B960494DF}">
-                <a14:hiddenLine xmlns:a14="http://schemas.microsoft.com/office/drawing/2010/main" xmlns="" w="9525">
+                <a14:hiddenLine xmlns="" xmlns:a14="http://schemas.microsoft.com/office/drawing/2010/main" w="9525">
                   <a:solidFill>
                     <a:srgbClr val="000000"/>
                   </a:solidFill>
@@ -1255,7 +1258,7 @@
             </a:ln>
             <a:extLst>
               <a:ext uri="{91240B29-F687-4f45-9708-019B960494DF}">
-                <a14:hiddenLine xmlns:a14="http://schemas.microsoft.com/office/drawing/2010/main" xmlns="" w="9525">
+                <a14:hiddenLine xmlns="" xmlns:a14="http://schemas.microsoft.com/office/drawing/2010/main" w="9525">
                   <a:solidFill>
                     <a:srgbClr val="000000"/>
                   </a:solidFill>
@@ -1345,7 +1348,7 @@
             </a:ln>
             <a:extLst>
               <a:ext uri="{91240B29-F687-4f45-9708-019B960494DF}">
-                <a14:hiddenLine xmlns:a14="http://schemas.microsoft.com/office/drawing/2010/main" xmlns="" w="9525">
+                <a14:hiddenLine xmlns="" xmlns:a14="http://schemas.microsoft.com/office/drawing/2010/main" w="9525">
                   <a:solidFill>
                     <a:srgbClr val="000000"/>
                   </a:solidFill>
@@ -1407,7 +1410,7 @@
             </a:ln>
             <a:extLst>
               <a:ext uri="{91240B29-F687-4f45-9708-019B960494DF}">
-                <a14:hiddenLine xmlns:a14="http://schemas.microsoft.com/office/drawing/2010/main" xmlns="" w="9525">
+                <a14:hiddenLine xmlns="" xmlns:a14="http://schemas.microsoft.com/office/drawing/2010/main" w="9525">
                   <a:solidFill>
                     <a:srgbClr val="000000"/>
                   </a:solidFill>
@@ -1469,7 +1472,7 @@
             </a:ln>
             <a:extLst>
               <a:ext uri="{91240B29-F687-4f45-9708-019B960494DF}">
-                <a14:hiddenLine xmlns:a14="http://schemas.microsoft.com/office/drawing/2010/main" xmlns="" w="9525">
+                <a14:hiddenLine xmlns="" xmlns:a14="http://schemas.microsoft.com/office/drawing/2010/main" w="9525">
                   <a:solidFill>
                     <a:srgbClr val="000000"/>
                   </a:solidFill>
@@ -1559,7 +1562,7 @@
             </a:ln>
             <a:extLst>
               <a:ext uri="{91240B29-F687-4f45-9708-019B960494DF}">
-                <a14:hiddenLine xmlns:a14="http://schemas.microsoft.com/office/drawing/2010/main" xmlns="" w="9525">
+                <a14:hiddenLine xmlns="" xmlns:a14="http://schemas.microsoft.com/office/drawing/2010/main" w="9525">
                   <a:solidFill>
                     <a:srgbClr val="000000"/>
                   </a:solidFill>
@@ -1621,7 +1624,7 @@
             </a:ln>
             <a:extLst>
               <a:ext uri="{91240B29-F687-4f45-9708-019B960494DF}">
-                <a14:hiddenLine xmlns:a14="http://schemas.microsoft.com/office/drawing/2010/main" xmlns="" w="9525">
+                <a14:hiddenLine xmlns="" xmlns:a14="http://schemas.microsoft.com/office/drawing/2010/main" w="9525">
                   <a:solidFill>
                     <a:srgbClr val="000000"/>
                   </a:solidFill>
@@ -1683,7 +1686,7 @@
             </a:ln>
             <a:extLst>
               <a:ext uri="{91240B29-F687-4f45-9708-019B960494DF}">
-                <a14:hiddenLine xmlns:a14="http://schemas.microsoft.com/office/drawing/2010/main" xmlns="" w="9525">
+                <a14:hiddenLine xmlns="" xmlns:a14="http://schemas.microsoft.com/office/drawing/2010/main" w="9525">
                   <a:solidFill>
                     <a:srgbClr val="000000"/>
                   </a:solidFill>
@@ -1773,7 +1776,7 @@
             </a:ln>
             <a:extLst>
               <a:ext uri="{91240B29-F687-4f45-9708-019B960494DF}">
-                <a14:hiddenLine xmlns:a14="http://schemas.microsoft.com/office/drawing/2010/main" xmlns="" w="9525">
+                <a14:hiddenLine xmlns="" xmlns:a14="http://schemas.microsoft.com/office/drawing/2010/main" w="9525">
                   <a:solidFill>
                     <a:srgbClr val="000000"/>
                   </a:solidFill>
@@ -1863,7 +1866,7 @@
             </a:ln>
             <a:extLst>
               <a:ext uri="{91240B29-F687-4f45-9708-019B960494DF}">
-                <a14:hiddenLine xmlns:a14="http://schemas.microsoft.com/office/drawing/2010/main" xmlns="" w="9525">
+                <a14:hiddenLine xmlns="" xmlns:a14="http://schemas.microsoft.com/office/drawing/2010/main" w="9525">
                   <a:solidFill>
                     <a:srgbClr val="000000"/>
                   </a:solidFill>
@@ -1925,7 +1928,7 @@
             </a:ln>
             <a:extLst>
               <a:ext uri="{91240B29-F687-4f45-9708-019B960494DF}">
-                <a14:hiddenLine xmlns:a14="http://schemas.microsoft.com/office/drawing/2010/main" xmlns="" w="9525">
+                <a14:hiddenLine xmlns="" xmlns:a14="http://schemas.microsoft.com/office/drawing/2010/main" w="9525">
                   <a:solidFill>
                     <a:srgbClr val="000000"/>
                   </a:solidFill>
@@ -2035,7 +2038,7 @@
             </a:ln>
             <a:extLst>
               <a:ext uri="{91240B29-F687-4f45-9708-019B960494DF}">
-                <a14:hiddenLine xmlns:a14="http://schemas.microsoft.com/office/drawing/2010/main" xmlns="" w="9525">
+                <a14:hiddenLine xmlns="" xmlns:a14="http://schemas.microsoft.com/office/drawing/2010/main" w="9525">
                   <a:solidFill>
                     <a:srgbClr val="000000"/>
                   </a:solidFill>
@@ -2097,7 +2100,7 @@
             </a:ln>
             <a:extLst>
               <a:ext uri="{91240B29-F687-4f45-9708-019B960494DF}">
-                <a14:hiddenLine xmlns:a14="http://schemas.microsoft.com/office/drawing/2010/main" xmlns="" w="9525">
+                <a14:hiddenLine xmlns="" xmlns:a14="http://schemas.microsoft.com/office/drawing/2010/main" w="9525">
                   <a:solidFill>
                     <a:srgbClr val="000000"/>
                   </a:solidFill>
@@ -2187,7 +2190,7 @@
             </a:ln>
             <a:extLst>
               <a:ext uri="{91240B29-F687-4f45-9708-019B960494DF}">
-                <a14:hiddenLine xmlns:a14="http://schemas.microsoft.com/office/drawing/2010/main" xmlns="" w="9525">
+                <a14:hiddenLine xmlns="" xmlns:a14="http://schemas.microsoft.com/office/drawing/2010/main" w="9525">
                   <a:solidFill>
                     <a:srgbClr val="000000"/>
                   </a:solidFill>
@@ -2277,7 +2280,7 @@
             </a:ln>
             <a:extLst>
               <a:ext uri="{91240B29-F687-4f45-9708-019B960494DF}">
-                <a14:hiddenLine xmlns:a14="http://schemas.microsoft.com/office/drawing/2010/main" xmlns="" w="9525">
+                <a14:hiddenLine xmlns="" xmlns:a14="http://schemas.microsoft.com/office/drawing/2010/main" w="9525">
                   <a:solidFill>
                     <a:srgbClr val="000000"/>
                   </a:solidFill>
@@ -2339,7 +2342,7 @@
             </a:ln>
             <a:extLst>
               <a:ext uri="{91240B29-F687-4f45-9708-019B960494DF}">
-                <a14:hiddenLine xmlns:a14="http://schemas.microsoft.com/office/drawing/2010/main" xmlns="" w="9525">
+                <a14:hiddenLine xmlns="" xmlns:a14="http://schemas.microsoft.com/office/drawing/2010/main" w="9525">
                   <a:solidFill>
                     <a:srgbClr val="000000"/>
                   </a:solidFill>
@@ -2429,7 +2432,7 @@
             </a:ln>
             <a:extLst>
               <a:ext uri="{91240B29-F687-4f45-9708-019B960494DF}">
-                <a14:hiddenLine xmlns:a14="http://schemas.microsoft.com/office/drawing/2010/main" xmlns="" w="9525">
+                <a14:hiddenLine xmlns="" xmlns:a14="http://schemas.microsoft.com/office/drawing/2010/main" w="9525">
                   <a:solidFill>
                     <a:srgbClr val="000000"/>
                   </a:solidFill>
@@ -2519,7 +2522,7 @@
             </a:ln>
             <a:extLst>
               <a:ext uri="{91240B29-F687-4f45-9708-019B960494DF}">
-                <a14:hiddenLine xmlns:a14="http://schemas.microsoft.com/office/drawing/2010/main" xmlns="" w="9525">
+                <a14:hiddenLine xmlns="" xmlns:a14="http://schemas.microsoft.com/office/drawing/2010/main" w="9525">
                   <a:solidFill>
                     <a:srgbClr val="000000"/>
                   </a:solidFill>
@@ -2575,7 +2578,7 @@
             </a:ln>
             <a:extLst>
               <a:ext uri="{91240B29-F687-4f45-9708-019B960494DF}">
-                <a14:hiddenLine xmlns:a14="http://schemas.microsoft.com/office/drawing/2010/main" xmlns="" w="9525">
+                <a14:hiddenLine xmlns="" xmlns:a14="http://schemas.microsoft.com/office/drawing/2010/main" w="9525">
                   <a:solidFill>
                     <a:srgbClr val="000000"/>
                   </a:solidFill>
@@ -2665,7 +2668,7 @@
             </a:ln>
             <a:extLst>
               <a:ext uri="{91240B29-F687-4f45-9708-019B960494DF}">
-                <a14:hiddenLine xmlns:a14="http://schemas.microsoft.com/office/drawing/2010/main" xmlns="" w="9525">
+                <a14:hiddenLine xmlns="" xmlns:a14="http://schemas.microsoft.com/office/drawing/2010/main" w="9525">
                   <a:solidFill>
                     <a:srgbClr val="000000"/>
                   </a:solidFill>
@@ -2721,7 +2724,7 @@
             </a:ln>
             <a:extLst>
               <a:ext uri="{91240B29-F687-4f45-9708-019B960494DF}">
-                <a14:hiddenLine xmlns:a14="http://schemas.microsoft.com/office/drawing/2010/main" xmlns="" w="9525">
+                <a14:hiddenLine xmlns="" xmlns:a14="http://schemas.microsoft.com/office/drawing/2010/main" w="9525">
                   <a:solidFill>
                     <a:srgbClr val="000000"/>
                   </a:solidFill>
@@ -2811,7 +2814,7 @@
             </a:ln>
             <a:extLst>
               <a:ext uri="{91240B29-F687-4f45-9708-019B960494DF}">
-                <a14:hiddenLine xmlns:a14="http://schemas.microsoft.com/office/drawing/2010/main" xmlns="" w="9525">
+                <a14:hiddenLine xmlns="" xmlns:a14="http://schemas.microsoft.com/office/drawing/2010/main" w="9525">
                   <a:solidFill>
                     <a:srgbClr val="000000"/>
                   </a:solidFill>
@@ -2879,7 +2882,7 @@
             </a:ln>
             <a:extLst>
               <a:ext uri="{91240B29-F687-4f45-9708-019B960494DF}">
-                <a14:hiddenLine xmlns:a14="http://schemas.microsoft.com/office/drawing/2010/main" xmlns="" w="9525">
+                <a14:hiddenLine xmlns="" xmlns:a14="http://schemas.microsoft.com/office/drawing/2010/main" w="9525">
                   <a:solidFill>
                     <a:srgbClr val="000000"/>
                   </a:solidFill>
@@ -2969,7 +2972,7 @@
             </a:ln>
             <a:extLst>
               <a:ext uri="{91240B29-F687-4f45-9708-019B960494DF}">
-                <a14:hiddenLine xmlns:a14="http://schemas.microsoft.com/office/drawing/2010/main" xmlns="" w="9525">
+                <a14:hiddenLine xmlns="" xmlns:a14="http://schemas.microsoft.com/office/drawing/2010/main" w="9525">
                   <a:solidFill>
                     <a:srgbClr val="000000"/>
                   </a:solidFill>
@@ -3037,7 +3040,7 @@
             </a:ln>
             <a:extLst>
               <a:ext uri="{91240B29-F687-4f45-9708-019B960494DF}">
-                <a14:hiddenLine xmlns:a14="http://schemas.microsoft.com/office/drawing/2010/main" xmlns="" w="9525">
+                <a14:hiddenLine xmlns="" xmlns:a14="http://schemas.microsoft.com/office/drawing/2010/main" w="9525">
                   <a:solidFill>
                     <a:srgbClr val="000000"/>
                   </a:solidFill>
@@ -3127,7 +3130,7 @@
             </a:ln>
             <a:extLst>
               <a:ext uri="{91240B29-F687-4f45-9708-019B960494DF}">
-                <a14:hiddenLine xmlns:a14="http://schemas.microsoft.com/office/drawing/2010/main" xmlns="" w="9525">
+                <a14:hiddenLine xmlns="" xmlns:a14="http://schemas.microsoft.com/office/drawing/2010/main" w="9525">
                   <a:solidFill>
                     <a:srgbClr val="000000"/>
                   </a:solidFill>
@@ -3161,7 +3164,7 @@
             </a:ln>
             <a:extLst>
               <a:ext uri="{91240B29-F687-4f45-9708-019B960494DF}">
-                <a14:hiddenLine xmlns:a14="http://schemas.microsoft.com/office/drawing/2010/main" xmlns="" w="9525">
+                <a14:hiddenLine xmlns="" xmlns:a14="http://schemas.microsoft.com/office/drawing/2010/main" w="9525">
                   <a:solidFill>
                     <a:srgbClr val="000000"/>
                   </a:solidFill>
@@ -3251,7 +3254,7 @@
             </a:ln>
             <a:extLst>
               <a:ext uri="{91240B29-F687-4f45-9708-019B960494DF}">
-                <a14:hiddenLine xmlns:a14="http://schemas.microsoft.com/office/drawing/2010/main" xmlns="" w="9525">
+                <a14:hiddenLine xmlns="" xmlns:a14="http://schemas.microsoft.com/office/drawing/2010/main" w="9525">
                   <a:solidFill>
                     <a:srgbClr val="000000"/>
                   </a:solidFill>
@@ -3313,7 +3316,7 @@
             </a:ln>
             <a:extLst>
               <a:ext uri="{91240B29-F687-4f45-9708-019B960494DF}">
-                <a14:hiddenLine xmlns:a14="http://schemas.microsoft.com/office/drawing/2010/main" xmlns="" w="9525">
+                <a14:hiddenLine xmlns="" xmlns:a14="http://schemas.microsoft.com/office/drawing/2010/main" w="9525">
                   <a:solidFill>
                     <a:srgbClr val="000000"/>
                   </a:solidFill>
@@ -3375,7 +3378,7 @@
             </a:ln>
             <a:extLst>
               <a:ext uri="{91240B29-F687-4f45-9708-019B960494DF}">
-                <a14:hiddenLine xmlns:a14="http://schemas.microsoft.com/office/drawing/2010/main" xmlns="" w="9525">
+                <a14:hiddenLine xmlns="" xmlns:a14="http://schemas.microsoft.com/office/drawing/2010/main" w="9525">
                   <a:solidFill>
                     <a:srgbClr val="000000"/>
                   </a:solidFill>
@@ -3465,7 +3468,7 @@
             </a:ln>
             <a:extLst>
               <a:ext uri="{91240B29-F687-4f45-9708-019B960494DF}">
-                <a14:hiddenLine xmlns:a14="http://schemas.microsoft.com/office/drawing/2010/main" xmlns="" w="9525">
+                <a14:hiddenLine xmlns="" xmlns:a14="http://schemas.microsoft.com/office/drawing/2010/main" w="9525">
                   <a:solidFill>
                     <a:srgbClr val="000000"/>
                   </a:solidFill>
@@ -3533,7 +3536,7 @@
             </a:ln>
             <a:extLst>
               <a:ext uri="{91240B29-F687-4f45-9708-019B960494DF}">
-                <a14:hiddenLine xmlns:a14="http://schemas.microsoft.com/office/drawing/2010/main" xmlns="" w="9525">
+                <a14:hiddenLine xmlns="" xmlns:a14="http://schemas.microsoft.com/office/drawing/2010/main" w="9525">
                   <a:solidFill>
                     <a:srgbClr val="000000"/>
                   </a:solidFill>
@@ -3595,7 +3598,7 @@
             </a:ln>
             <a:extLst>
               <a:ext uri="{91240B29-F687-4f45-9708-019B960494DF}">
-                <a14:hiddenLine xmlns:a14="http://schemas.microsoft.com/office/drawing/2010/main" xmlns="" w="9525">
+                <a14:hiddenLine xmlns="" xmlns:a14="http://schemas.microsoft.com/office/drawing/2010/main" w="9525">
                   <a:solidFill>
                     <a:srgbClr val="000000"/>
                   </a:solidFill>
@@ -3685,7 +3688,7 @@
             </a:ln>
             <a:extLst>
               <a:ext uri="{91240B29-F687-4f45-9708-019B960494DF}">
-                <a14:hiddenLine xmlns:a14="http://schemas.microsoft.com/office/drawing/2010/main" xmlns="" w="9525">
+                <a14:hiddenLine xmlns="" xmlns:a14="http://schemas.microsoft.com/office/drawing/2010/main" w="9525">
                   <a:solidFill>
                     <a:srgbClr val="000000"/>
                   </a:solidFill>
@@ -3747,7 +3750,7 @@
             </a:ln>
             <a:extLst>
               <a:ext uri="{91240B29-F687-4f45-9708-019B960494DF}">
-                <a14:hiddenLine xmlns:a14="http://schemas.microsoft.com/office/drawing/2010/main" xmlns="" w="9525">
+                <a14:hiddenLine xmlns="" xmlns:a14="http://schemas.microsoft.com/office/drawing/2010/main" w="9525">
                   <a:solidFill>
                     <a:srgbClr val="000000"/>
                   </a:solidFill>
@@ -3837,7 +3840,7 @@
             </a:ln>
             <a:extLst>
               <a:ext uri="{91240B29-F687-4f45-9708-019B960494DF}">
-                <a14:hiddenLine xmlns:a14="http://schemas.microsoft.com/office/drawing/2010/main" xmlns="" w="9525">
+                <a14:hiddenLine xmlns="" xmlns:a14="http://schemas.microsoft.com/office/drawing/2010/main" w="9525">
                   <a:solidFill>
                     <a:srgbClr val="000000"/>
                   </a:solidFill>
@@ -3899,7 +3902,7 @@
             </a:ln>
             <a:extLst>
               <a:ext uri="{91240B29-F687-4f45-9708-019B960494DF}">
-                <a14:hiddenLine xmlns:a14="http://schemas.microsoft.com/office/drawing/2010/main" xmlns="" w="9525">
+                <a14:hiddenLine xmlns="" xmlns:a14="http://schemas.microsoft.com/office/drawing/2010/main" w="9525">
                   <a:solidFill>
                     <a:srgbClr val="000000"/>
                   </a:solidFill>
@@ -3989,7 +3992,7 @@
             </a:ln>
             <a:extLst>
               <a:ext uri="{91240B29-F687-4f45-9708-019B960494DF}">
-                <a14:hiddenLine xmlns:a14="http://schemas.microsoft.com/office/drawing/2010/main" xmlns="" w="9525">
+                <a14:hiddenLine xmlns="" xmlns:a14="http://schemas.microsoft.com/office/drawing/2010/main" w="9525">
                   <a:solidFill>
                     <a:srgbClr val="000000"/>
                   </a:solidFill>
@@ -4023,7 +4026,7 @@
             </a:ln>
             <a:extLst>
               <a:ext uri="{91240B29-F687-4f45-9708-019B960494DF}">
-                <a14:hiddenLine xmlns:a14="http://schemas.microsoft.com/office/drawing/2010/main" xmlns="" w="9525">
+                <a14:hiddenLine xmlns="" xmlns:a14="http://schemas.microsoft.com/office/drawing/2010/main" w="9525">
                   <a:solidFill>
                     <a:srgbClr val="000000"/>
                   </a:solidFill>
@@ -4088,7 +4091,7 @@
             </a:ln>
             <a:extLst>
               <a:ext uri="{91240B29-F687-4f45-9708-019B960494DF}">
-                <a14:hiddenLine xmlns:a14="http://schemas.microsoft.com/office/drawing/2010/main" xmlns="" w="9525">
+                <a14:hiddenLine xmlns="" xmlns:a14="http://schemas.microsoft.com/office/drawing/2010/main" w="9525">
                   <a:solidFill>
                     <a:srgbClr val="000000"/>
                   </a:solidFill>
@@ -4178,7 +4181,7 @@
             </a:ln>
             <a:extLst>
               <a:ext uri="{91240B29-F687-4f45-9708-019B960494DF}">
-                <a14:hiddenLine xmlns:a14="http://schemas.microsoft.com/office/drawing/2010/main" xmlns="" w="9525">
+                <a14:hiddenLine xmlns="" xmlns:a14="http://schemas.microsoft.com/office/drawing/2010/main" w="9525">
                   <a:solidFill>
                     <a:srgbClr val="000000"/>
                   </a:solidFill>
@@ -4240,7 +4243,7 @@
             </a:ln>
             <a:extLst>
               <a:ext uri="{91240B29-F687-4f45-9708-019B960494DF}">
-                <a14:hiddenLine xmlns:a14="http://schemas.microsoft.com/office/drawing/2010/main" xmlns="" w="9525">
+                <a14:hiddenLine xmlns="" xmlns:a14="http://schemas.microsoft.com/office/drawing/2010/main" w="9525">
                   <a:solidFill>
                     <a:srgbClr val="000000"/>
                   </a:solidFill>
@@ -4330,7 +4333,7 @@
             </a:ln>
             <a:extLst>
               <a:ext uri="{91240B29-F687-4f45-9708-019B960494DF}">
-                <a14:hiddenLine xmlns:a14="http://schemas.microsoft.com/office/drawing/2010/main" xmlns="" w="9525">
+                <a14:hiddenLine xmlns="" xmlns:a14="http://schemas.microsoft.com/office/drawing/2010/main" w="9525">
                   <a:solidFill>
                     <a:srgbClr val="000000"/>
                   </a:solidFill>
@@ -4420,7 +4423,7 @@
             </a:ln>
             <a:extLst>
               <a:ext uri="{91240B29-F687-4f45-9708-019B960494DF}">
-                <a14:hiddenLine xmlns:a14="http://schemas.microsoft.com/office/drawing/2010/main" xmlns="" w="9525">
+                <a14:hiddenLine xmlns="" xmlns:a14="http://schemas.microsoft.com/office/drawing/2010/main" w="9525">
                   <a:solidFill>
                     <a:srgbClr val="000000"/>
                   </a:solidFill>
@@ -4485,7 +4488,7 @@
             </a:ln>
             <a:extLst>
               <a:ext uri="{91240B29-F687-4f45-9708-019B960494DF}">
-                <a14:hiddenLine xmlns:a14="http://schemas.microsoft.com/office/drawing/2010/main" xmlns="" w="9525">
+                <a14:hiddenLine xmlns="" xmlns:a14="http://schemas.microsoft.com/office/drawing/2010/main" w="9525">
                   <a:solidFill>
                     <a:srgbClr val="000000"/>
                   </a:solidFill>
@@ -4547,7 +4550,7 @@
             </a:ln>
             <a:extLst>
               <a:ext uri="{91240B29-F687-4f45-9708-019B960494DF}">
-                <a14:hiddenLine xmlns:a14="http://schemas.microsoft.com/office/drawing/2010/main" xmlns="" w="9525">
+                <a14:hiddenLine xmlns="" xmlns:a14="http://schemas.microsoft.com/office/drawing/2010/main" w="9525">
                   <a:solidFill>
                     <a:srgbClr val="000000"/>
                   </a:solidFill>
@@ -4637,7 +4640,7 @@
             </a:ln>
             <a:extLst>
               <a:ext uri="{91240B29-F687-4f45-9708-019B960494DF}">
-                <a14:hiddenLine xmlns:a14="http://schemas.microsoft.com/office/drawing/2010/main" xmlns="" w="9525">
+                <a14:hiddenLine xmlns="" xmlns:a14="http://schemas.microsoft.com/office/drawing/2010/main" w="9525">
                   <a:solidFill>
                     <a:srgbClr val="000000"/>
                   </a:solidFill>
@@ -4727,7 +4730,7 @@
             </a:ln>
             <a:extLst>
               <a:ext uri="{91240B29-F687-4f45-9708-019B960494DF}">
-                <a14:hiddenLine xmlns:a14="http://schemas.microsoft.com/office/drawing/2010/main" xmlns="" w="9525">
+                <a14:hiddenLine xmlns="" xmlns:a14="http://schemas.microsoft.com/office/drawing/2010/main" w="9525">
                   <a:solidFill>
                     <a:srgbClr val="000000"/>
                   </a:solidFill>
@@ -4789,7 +4792,7 @@
             </a:ln>
             <a:extLst>
               <a:ext uri="{91240B29-F687-4f45-9708-019B960494DF}">
-                <a14:hiddenLine xmlns:a14="http://schemas.microsoft.com/office/drawing/2010/main" xmlns="" w="9525">
+                <a14:hiddenLine xmlns="" xmlns:a14="http://schemas.microsoft.com/office/drawing/2010/main" w="9525">
                   <a:solidFill>
                     <a:srgbClr val="000000"/>
                   </a:solidFill>
@@ -4909,7 +4912,7 @@
             </a:ln>
             <a:extLst>
               <a:ext uri="{91240B29-F687-4f45-9708-019B960494DF}">
-                <a14:hiddenLine xmlns:a14="http://schemas.microsoft.com/office/drawing/2010/main" xmlns="" w="9525">
+                <a14:hiddenLine xmlns="" xmlns:a14="http://schemas.microsoft.com/office/drawing/2010/main" w="9525">
                   <a:solidFill>
                     <a:srgbClr val="000000"/>
                   </a:solidFill>
@@ -4977,7 +4980,7 @@
             </a:ln>
             <a:extLst>
               <a:ext uri="{91240B29-F687-4f45-9708-019B960494DF}">
-                <a14:hiddenLine xmlns:a14="http://schemas.microsoft.com/office/drawing/2010/main" xmlns="" w="9525">
+                <a14:hiddenLine xmlns="" xmlns:a14="http://schemas.microsoft.com/office/drawing/2010/main" w="9525">
                   <a:solidFill>
                     <a:srgbClr val="000000"/>
                   </a:solidFill>
@@ -5067,7 +5070,7 @@
             </a:ln>
             <a:extLst>
               <a:ext uri="{91240B29-F687-4f45-9708-019B960494DF}">
-                <a14:hiddenLine xmlns:a14="http://schemas.microsoft.com/office/drawing/2010/main" xmlns="" w="9525">
+                <a14:hiddenLine xmlns="" xmlns:a14="http://schemas.microsoft.com/office/drawing/2010/main" w="9525">
                   <a:solidFill>
                     <a:srgbClr val="000000"/>
                   </a:solidFill>
@@ -9901,7 +9904,7 @@
           <a:noFill/>
           <a:extLst>
             <a:ext uri="{909E8E84-426E-40dd-AFC4-6F175D3DCCD1}">
-              <a14:hiddenFill xmlns:a14="http://schemas.microsoft.com/office/drawing/2010/main" xmlns="">
+              <a14:hiddenFill xmlns="" xmlns:a14="http://schemas.microsoft.com/office/drawing/2010/main">
                 <a:solidFill>
                   <a:srgbClr val="FFFFFF"/>
                 </a:solidFill>
@@ -9975,7 +9978,7 @@
               </a:ln>
               <a:extLst>
                 <a:ext uri="{91240B29-F687-4f45-9708-019B960494DF}">
-                  <a14:hiddenLine xmlns:a14="http://schemas.microsoft.com/office/drawing/2010/main" xmlns="" w="9525">
+                  <a14:hiddenLine xmlns="" xmlns:a14="http://schemas.microsoft.com/office/drawing/2010/main" w="9525">
                     <a:solidFill>
                       <a:srgbClr val="000000"/>
                     </a:solidFill>
@@ -10065,7 +10068,7 @@
               </a:ln>
               <a:extLst>
                 <a:ext uri="{91240B29-F687-4f45-9708-019B960494DF}">
-                  <a14:hiddenLine xmlns:a14="http://schemas.microsoft.com/office/drawing/2010/main" xmlns="" w="9525">
+                  <a14:hiddenLine xmlns="" xmlns:a14="http://schemas.microsoft.com/office/drawing/2010/main" w="9525">
                     <a:solidFill>
                       <a:srgbClr val="000000"/>
                     </a:solidFill>
@@ -10155,7 +10158,7 @@
               </a:ln>
               <a:extLst>
                 <a:ext uri="{91240B29-F687-4f45-9708-019B960494DF}">
-                  <a14:hiddenLine xmlns:a14="http://schemas.microsoft.com/office/drawing/2010/main" xmlns="" w="9525">
+                  <a14:hiddenLine xmlns="" xmlns:a14="http://schemas.microsoft.com/office/drawing/2010/main" w="9525">
                     <a:solidFill>
                       <a:srgbClr val="000000"/>
                     </a:solidFill>
@@ -10217,7 +10220,7 @@
               </a:ln>
               <a:extLst>
                 <a:ext uri="{91240B29-F687-4f45-9708-019B960494DF}">
-                  <a14:hiddenLine xmlns:a14="http://schemas.microsoft.com/office/drawing/2010/main" xmlns="" w="9525">
+                  <a14:hiddenLine xmlns="" xmlns:a14="http://schemas.microsoft.com/office/drawing/2010/main" w="9525">
                     <a:solidFill>
                       <a:srgbClr val="000000"/>
                     </a:solidFill>
@@ -10307,7 +10310,7 @@
               </a:ln>
               <a:extLst>
                 <a:ext uri="{91240B29-F687-4f45-9708-019B960494DF}">
-                  <a14:hiddenLine xmlns:a14="http://schemas.microsoft.com/office/drawing/2010/main" xmlns="" w="9525">
+                  <a14:hiddenLine xmlns="" xmlns:a14="http://schemas.microsoft.com/office/drawing/2010/main" w="9525">
                     <a:solidFill>
                       <a:srgbClr val="000000"/>
                     </a:solidFill>
@@ -10369,7 +10372,7 @@
               </a:ln>
               <a:extLst>
                 <a:ext uri="{91240B29-F687-4f45-9708-019B960494DF}">
-                  <a14:hiddenLine xmlns:a14="http://schemas.microsoft.com/office/drawing/2010/main" xmlns="" w="9525">
+                  <a14:hiddenLine xmlns="" xmlns:a14="http://schemas.microsoft.com/office/drawing/2010/main" w="9525">
                     <a:solidFill>
                       <a:srgbClr val="000000"/>
                     </a:solidFill>
@@ -10431,7 +10434,7 @@
               </a:ln>
               <a:extLst>
                 <a:ext uri="{91240B29-F687-4f45-9708-019B960494DF}">
-                  <a14:hiddenLine xmlns:a14="http://schemas.microsoft.com/office/drawing/2010/main" xmlns="" w="9525">
+                  <a14:hiddenLine xmlns="" xmlns:a14="http://schemas.microsoft.com/office/drawing/2010/main" w="9525">
                     <a:solidFill>
                       <a:srgbClr val="000000"/>
                     </a:solidFill>
@@ -10521,7 +10524,7 @@
               </a:ln>
               <a:extLst>
                 <a:ext uri="{91240B29-F687-4f45-9708-019B960494DF}">
-                  <a14:hiddenLine xmlns:a14="http://schemas.microsoft.com/office/drawing/2010/main" xmlns="" w="9525">
+                  <a14:hiddenLine xmlns="" xmlns:a14="http://schemas.microsoft.com/office/drawing/2010/main" w="9525">
                     <a:solidFill>
                       <a:srgbClr val="000000"/>
                     </a:solidFill>
@@ -10611,7 +10614,7 @@
               </a:ln>
               <a:extLst>
                 <a:ext uri="{91240B29-F687-4f45-9708-019B960494DF}">
-                  <a14:hiddenLine xmlns:a14="http://schemas.microsoft.com/office/drawing/2010/main" xmlns="" w="9525">
+                  <a14:hiddenLine xmlns="" xmlns:a14="http://schemas.microsoft.com/office/drawing/2010/main" w="9525">
                     <a:solidFill>
                       <a:srgbClr val="000000"/>
                     </a:solidFill>
@@ -10673,7 +10676,7 @@
               </a:ln>
               <a:extLst>
                 <a:ext uri="{91240B29-F687-4f45-9708-019B960494DF}">
-                  <a14:hiddenLine xmlns:a14="http://schemas.microsoft.com/office/drawing/2010/main" xmlns="" w="9525">
+                  <a14:hiddenLine xmlns="" xmlns:a14="http://schemas.microsoft.com/office/drawing/2010/main" w="9525">
                     <a:solidFill>
                       <a:srgbClr val="000000"/>
                     </a:solidFill>
@@ -10783,7 +10786,7 @@
               </a:ln>
               <a:extLst>
                 <a:ext uri="{91240B29-F687-4f45-9708-019B960494DF}">
-                  <a14:hiddenLine xmlns:a14="http://schemas.microsoft.com/office/drawing/2010/main" xmlns="" w="9525">
+                  <a14:hiddenLine xmlns="" xmlns:a14="http://schemas.microsoft.com/office/drawing/2010/main" w="9525">
                     <a:solidFill>
                       <a:srgbClr val="000000"/>
                     </a:solidFill>
@@ -10867,7 +10870,7 @@
               </a:ln>
               <a:extLst>
                 <a:ext uri="{91240B29-F687-4f45-9708-019B960494DF}">
-                  <a14:hiddenLine xmlns:a14="http://schemas.microsoft.com/office/drawing/2010/main" xmlns="" w="9525">
+                  <a14:hiddenLine xmlns="" xmlns:a14="http://schemas.microsoft.com/office/drawing/2010/main" w="9525">
                     <a:solidFill>
                       <a:srgbClr val="000000"/>
                     </a:solidFill>
@@ -10929,7 +10932,7 @@
               </a:ln>
               <a:extLst>
                 <a:ext uri="{91240B29-F687-4f45-9708-019B960494DF}">
-                  <a14:hiddenLine xmlns:a14="http://schemas.microsoft.com/office/drawing/2010/main" xmlns="" w="9525">
+                  <a14:hiddenLine xmlns="" xmlns:a14="http://schemas.microsoft.com/office/drawing/2010/main" w="9525">
                     <a:solidFill>
                       <a:srgbClr val="000000"/>
                     </a:solidFill>
@@ -10991,7 +10994,7 @@
               </a:ln>
               <a:extLst>
                 <a:ext uri="{91240B29-F687-4f45-9708-019B960494DF}">
-                  <a14:hiddenLine xmlns:a14="http://schemas.microsoft.com/office/drawing/2010/main" xmlns="" w="9525">
+                  <a14:hiddenLine xmlns="" xmlns:a14="http://schemas.microsoft.com/office/drawing/2010/main" w="9525">
                     <a:solidFill>
                       <a:srgbClr val="000000"/>
                     </a:solidFill>
@@ -11081,7 +11084,7 @@
               </a:ln>
               <a:extLst>
                 <a:ext uri="{91240B29-F687-4f45-9708-019B960494DF}">
-                  <a14:hiddenLine xmlns:a14="http://schemas.microsoft.com/office/drawing/2010/main" xmlns="" w="9525">
+                  <a14:hiddenLine xmlns="" xmlns:a14="http://schemas.microsoft.com/office/drawing/2010/main" w="9525">
                     <a:solidFill>
                       <a:srgbClr val="000000"/>
                     </a:solidFill>
@@ -11115,7 +11118,7 @@
               </a:ln>
               <a:extLst>
                 <a:ext uri="{91240B29-F687-4f45-9708-019B960494DF}">
-                  <a14:hiddenLine xmlns:a14="http://schemas.microsoft.com/office/drawing/2010/main" xmlns="" w="9525">
+                  <a14:hiddenLine xmlns="" xmlns:a14="http://schemas.microsoft.com/office/drawing/2010/main" w="9525">
                     <a:solidFill>
                       <a:srgbClr val="000000"/>
                     </a:solidFill>
@@ -11180,7 +11183,7 @@
               </a:ln>
               <a:extLst>
                 <a:ext uri="{91240B29-F687-4f45-9708-019B960494DF}">
-                  <a14:hiddenLine xmlns:a14="http://schemas.microsoft.com/office/drawing/2010/main" xmlns="" w="9525">
+                  <a14:hiddenLine xmlns="" xmlns:a14="http://schemas.microsoft.com/office/drawing/2010/main" w="9525">
                     <a:solidFill>
                       <a:srgbClr val="000000"/>
                     </a:solidFill>
@@ -11270,7 +11273,7 @@
               </a:ln>
               <a:extLst>
                 <a:ext uri="{91240B29-F687-4f45-9708-019B960494DF}">
-                  <a14:hiddenLine xmlns:a14="http://schemas.microsoft.com/office/drawing/2010/main" xmlns="" w="9525">
+                  <a14:hiddenLine xmlns="" xmlns:a14="http://schemas.microsoft.com/office/drawing/2010/main" w="9525">
                     <a:solidFill>
                       <a:srgbClr val="000000"/>
                     </a:solidFill>
@@ -11332,7 +11335,7 @@
               </a:ln>
               <a:extLst>
                 <a:ext uri="{91240B29-F687-4f45-9708-019B960494DF}">
-                  <a14:hiddenLine xmlns:a14="http://schemas.microsoft.com/office/drawing/2010/main" xmlns="" w="9525">
+                  <a14:hiddenLine xmlns="" xmlns:a14="http://schemas.microsoft.com/office/drawing/2010/main" w="9525">
                     <a:solidFill>
                       <a:srgbClr val="000000"/>
                     </a:solidFill>
@@ -11422,7 +11425,7 @@
               </a:ln>
               <a:extLst>
                 <a:ext uri="{91240B29-F687-4f45-9708-019B960494DF}">
-                  <a14:hiddenLine xmlns:a14="http://schemas.microsoft.com/office/drawing/2010/main" xmlns="" w="9525">
+                  <a14:hiddenLine xmlns="" xmlns:a14="http://schemas.microsoft.com/office/drawing/2010/main" w="9525">
                     <a:solidFill>
                       <a:srgbClr val="000000"/>
                     </a:solidFill>
@@ -11487,7 +11490,7 @@
               </a:ln>
               <a:extLst>
                 <a:ext uri="{91240B29-F687-4f45-9708-019B960494DF}">
-                  <a14:hiddenLine xmlns:a14="http://schemas.microsoft.com/office/drawing/2010/main" xmlns="" w="9525">
+                  <a14:hiddenLine xmlns="" xmlns:a14="http://schemas.microsoft.com/office/drawing/2010/main" w="9525">
                     <a:solidFill>
                       <a:srgbClr val="000000"/>
                     </a:solidFill>
@@ -11549,7 +11552,7 @@
               </a:ln>
               <a:extLst>
                 <a:ext uri="{91240B29-F687-4f45-9708-019B960494DF}">
-                  <a14:hiddenLine xmlns:a14="http://schemas.microsoft.com/office/drawing/2010/main" xmlns="" w="9525">
+                  <a14:hiddenLine xmlns="" xmlns:a14="http://schemas.microsoft.com/office/drawing/2010/main" w="9525">
                     <a:solidFill>
                       <a:srgbClr val="000000"/>
                     </a:solidFill>
@@ -11639,7 +11642,7 @@
               </a:ln>
               <a:extLst>
                 <a:ext uri="{91240B29-F687-4f45-9708-019B960494DF}">
-                  <a14:hiddenLine xmlns:a14="http://schemas.microsoft.com/office/drawing/2010/main" xmlns="" w="9525">
+                  <a14:hiddenLine xmlns="" xmlns:a14="http://schemas.microsoft.com/office/drawing/2010/main" w="9525">
                     <a:solidFill>
                       <a:srgbClr val="000000"/>
                     </a:solidFill>
@@ -11729,7 +11732,7 @@
               </a:ln>
               <a:extLst>
                 <a:ext uri="{91240B29-F687-4f45-9708-019B960494DF}">
-                  <a14:hiddenLine xmlns:a14="http://schemas.microsoft.com/office/drawing/2010/main" xmlns="" w="9525">
+                  <a14:hiddenLine xmlns="" xmlns:a14="http://schemas.microsoft.com/office/drawing/2010/main" w="9525">
                     <a:solidFill>
                       <a:srgbClr val="000000"/>
                     </a:solidFill>
@@ -11794,7 +11797,7 @@
               </a:ln>
               <a:extLst>
                 <a:ext uri="{91240B29-F687-4f45-9708-019B960494DF}">
-                  <a14:hiddenLine xmlns:a14="http://schemas.microsoft.com/office/drawing/2010/main" xmlns="" w="9525">
+                  <a14:hiddenLine xmlns="" xmlns:a14="http://schemas.microsoft.com/office/drawing/2010/main" w="9525">
                     <a:solidFill>
                       <a:srgbClr val="000000"/>
                     </a:solidFill>
@@ -11914,7 +11917,7 @@
               </a:ln>
               <a:extLst>
                 <a:ext uri="{91240B29-F687-4f45-9708-019B960494DF}">
-                  <a14:hiddenLine xmlns:a14="http://schemas.microsoft.com/office/drawing/2010/main" xmlns="" w="9525">
+                  <a14:hiddenLine xmlns="" xmlns:a14="http://schemas.microsoft.com/office/drawing/2010/main" w="9525">
                     <a:solidFill>
                       <a:srgbClr val="000000"/>
                     </a:solidFill>
@@ -12012,7 +12015,7 @@
               </a:ln>
               <a:extLst>
                 <a:ext uri="{91240B29-F687-4f45-9708-019B960494DF}">
-                  <a14:hiddenLine xmlns:a14="http://schemas.microsoft.com/office/drawing/2010/main" xmlns="" w="9525">
+                  <a14:hiddenLine xmlns="" xmlns:a14="http://schemas.microsoft.com/office/drawing/2010/main" w="9525">
                     <a:solidFill>
                       <a:srgbClr val="000000"/>
                     </a:solidFill>
@@ -12127,7 +12130,7 @@
               </a:ln>
               <a:extLst>
                 <a:ext uri="{91240B29-F687-4f45-9708-019B960494DF}">
-                  <a14:hiddenLine xmlns:a14="http://schemas.microsoft.com/office/drawing/2010/main" xmlns="" w="9525">
+                  <a14:hiddenLine xmlns="" xmlns:a14="http://schemas.microsoft.com/office/drawing/2010/main" w="9525">
                     <a:solidFill>
                       <a:srgbClr val="000000"/>
                     </a:solidFill>
@@ -12217,7 +12220,7 @@
               </a:ln>
               <a:extLst>
                 <a:ext uri="{91240B29-F687-4f45-9708-019B960494DF}">
-                  <a14:hiddenLine xmlns:a14="http://schemas.microsoft.com/office/drawing/2010/main" xmlns="" w="9525">
+                  <a14:hiddenLine xmlns="" xmlns:a14="http://schemas.microsoft.com/office/drawing/2010/main" w="9525">
                     <a:solidFill>
                       <a:srgbClr val="000000"/>
                     </a:solidFill>
@@ -12282,7 +12285,7 @@
               </a:ln>
               <a:extLst>
                 <a:ext uri="{91240B29-F687-4f45-9708-019B960494DF}">
-                  <a14:hiddenLine xmlns:a14="http://schemas.microsoft.com/office/drawing/2010/main" xmlns="" w="9525">
+                  <a14:hiddenLine xmlns="" xmlns:a14="http://schemas.microsoft.com/office/drawing/2010/main" w="9525">
                     <a:solidFill>
                       <a:srgbClr val="000000"/>
                     </a:solidFill>
@@ -12372,7 +12375,7 @@
               </a:ln>
               <a:extLst>
                 <a:ext uri="{91240B29-F687-4f45-9708-019B960494DF}">
-                  <a14:hiddenLine xmlns:a14="http://schemas.microsoft.com/office/drawing/2010/main" xmlns="" w="9525">
+                  <a14:hiddenLine xmlns="" xmlns:a14="http://schemas.microsoft.com/office/drawing/2010/main" w="9525">
                     <a:solidFill>
                       <a:srgbClr val="000000"/>
                     </a:solidFill>
@@ -12440,7 +12443,7 @@
               </a:ln>
               <a:extLst>
                 <a:ext uri="{91240B29-F687-4f45-9708-019B960494DF}">
-                  <a14:hiddenLine xmlns:a14="http://schemas.microsoft.com/office/drawing/2010/main" xmlns="" w="9525">
+                  <a14:hiddenLine xmlns="" xmlns:a14="http://schemas.microsoft.com/office/drawing/2010/main" w="9525">
                     <a:solidFill>
                       <a:srgbClr val="000000"/>
                     </a:solidFill>
@@ -12530,7 +12533,7 @@
               </a:ln>
               <a:extLst>
                 <a:ext uri="{91240B29-F687-4f45-9708-019B960494DF}">
-                  <a14:hiddenLine xmlns:a14="http://schemas.microsoft.com/office/drawing/2010/main" xmlns="" w="9525">
+                  <a14:hiddenLine xmlns="" xmlns:a14="http://schemas.microsoft.com/office/drawing/2010/main" w="9525">
                     <a:solidFill>
                       <a:srgbClr val="000000"/>
                     </a:solidFill>
@@ -12598,7 +12601,7 @@
               </a:ln>
               <a:extLst>
                 <a:ext uri="{91240B29-F687-4f45-9708-019B960494DF}">
-                  <a14:hiddenLine xmlns:a14="http://schemas.microsoft.com/office/drawing/2010/main" xmlns="" w="9525">
+                  <a14:hiddenLine xmlns="" xmlns:a14="http://schemas.microsoft.com/office/drawing/2010/main" w="9525">
                     <a:solidFill>
                       <a:srgbClr val="000000"/>
                     </a:solidFill>
@@ -12688,7 +12691,7 @@
               </a:ln>
               <a:extLst>
                 <a:ext uri="{91240B29-F687-4f45-9708-019B960494DF}">
-                  <a14:hiddenLine xmlns:a14="http://schemas.microsoft.com/office/drawing/2010/main" xmlns="" w="9525">
+                  <a14:hiddenLine xmlns="" xmlns:a14="http://schemas.microsoft.com/office/drawing/2010/main" w="9525">
                     <a:solidFill>
                       <a:srgbClr val="000000"/>
                     </a:solidFill>
@@ -12722,7 +12725,7 @@
               </a:ln>
               <a:extLst>
                 <a:ext uri="{91240B29-F687-4f45-9708-019B960494DF}">
-                  <a14:hiddenLine xmlns:a14="http://schemas.microsoft.com/office/drawing/2010/main" xmlns="" w="9525">
+                  <a14:hiddenLine xmlns="" xmlns:a14="http://schemas.microsoft.com/office/drawing/2010/main" w="9525">
                     <a:solidFill>
                       <a:srgbClr val="000000"/>
                     </a:solidFill>
@@ -13621,7 +13624,7 @@
                   <a:schemeClr val="accent3"/>
                 </a:solidFill>
               </a:rPr>
-              <a:t>“I’m not really sure I’m managing my inventory in the best way possible to help grow my business”</a:t>
+              <a:t>“I’m not sure if I’m managing inventory correctly to grow my business”</a:t>
             </a:r>
           </a:p>
         </p:txBody>
